--- a/AccEff/Table/Efficiency Numerical Results .pptx
+++ b/AccEff/Table/Efficiency Numerical Results .pptx
@@ -3104,14 +3104,14 @@
           <p:nvPr>
             <p:extLst>
               <p:ext uri="{D42A27DB-BD31-4B8C-83A1-F6EECF244321}">
-                <p14:modId xmlns:p14="http://schemas.microsoft.com/office/powerpoint/2010/main" val="2886027533"/>
+                <p14:modId xmlns:p14="http://schemas.microsoft.com/office/powerpoint/2010/main" val="1560540269"/>
               </p:ext>
             </p:extLst>
           </p:nvPr>
         </p:nvGraphicFramePr>
         <p:xfrm>
-          <a:off x="160706" y="661438"/>
-          <a:ext cx="8795080" cy="5558227"/>
+          <a:off x="173799" y="582874"/>
+          <a:ext cx="8795080" cy="5643556"/>
         </p:xfrm>
         <a:graphic>
           <a:graphicData uri="http://schemas.openxmlformats.org/drawingml/2006/table">
@@ -3134,34 +3134,34 @@
                     <a:p>
                       <a:pPr algn="ctr"/>
                       <a:r>
-                        <a:rPr lang="en-US" altLang="zh-CN" sz="1600" b="1" dirty="0" err="1" smtClean="0"/>
+                        <a:rPr lang="en-US" altLang="zh-CN" sz="2100" b="1" dirty="0" err="1" smtClean="0"/>
                         <a:t>p</a:t>
                       </a:r>
                       <a:r>
-                        <a:rPr lang="en-US" altLang="zh-CN" sz="1600" b="1" baseline="-25000" dirty="0" err="1" smtClean="0"/>
+                        <a:rPr lang="en-US" altLang="zh-CN" sz="2100" b="1" baseline="-25000" dirty="0" err="1" smtClean="0"/>
                         <a:t>T</a:t>
                       </a:r>
                       <a:r>
-                        <a:rPr lang="en-US" altLang="zh-CN" sz="1600" b="1" baseline="-25000" dirty="0" smtClean="0"/>
+                        <a:rPr lang="en-US" altLang="zh-CN" sz="2100" b="1" baseline="-25000" dirty="0" smtClean="0"/>
                         <a:t> </a:t>
                       </a:r>
                       <a:r>
-                        <a:rPr lang="en-US" altLang="zh-CN" sz="1600" b="1" baseline="0" dirty="0" smtClean="0"/>
+                        <a:rPr lang="en-US" altLang="zh-CN" sz="2100" b="1" baseline="0" dirty="0" smtClean="0"/>
                         <a:t>Range </a:t>
                       </a:r>
                       <a:r>
-                        <a:rPr lang="en-US" altLang="zh-CN" sz="1600" b="1" baseline="0" dirty="0" smtClean="0"/>
+                        <a:rPr lang="en-US" altLang="zh-CN" sz="2100" b="1" baseline="0" dirty="0" smtClean="0"/>
                         <a:t>(</a:t>
                       </a:r>
                       <a:r>
-                        <a:rPr lang="en-US" altLang="zh-CN" sz="1600" b="1" baseline="0" dirty="0" err="1" smtClean="0"/>
+                        <a:rPr lang="en-US" altLang="zh-CN" sz="2100" b="1" baseline="0" dirty="0" err="1" smtClean="0"/>
                         <a:t>GeV</a:t>
                       </a:r>
                       <a:r>
-                        <a:rPr lang="en-US" altLang="zh-CN" sz="1600" b="1" baseline="0" dirty="0" smtClean="0"/>
+                        <a:rPr lang="en-US" altLang="zh-CN" sz="2100" b="1" baseline="0" dirty="0" smtClean="0"/>
                         <a:t>/c)</a:t>
                       </a:r>
-                      <a:endParaRPr lang="zh-CN" altLang="en-US" sz="1600" b="1" dirty="0"/>
+                      <a:endParaRPr lang="zh-CN" altLang="en-US" sz="2100" b="1" dirty="0"/>
                     </a:p>
                   </a:txBody>
                   <a:tcPr>
@@ -3210,10 +3210,10 @@
                     <a:p>
                       <a:pPr algn="ctr"/>
                       <a:r>
-                        <a:rPr lang="en-US" altLang="zh-CN" sz="1600" b="1" dirty="0" smtClean="0"/>
+                        <a:rPr lang="en-US" altLang="zh-CN" sz="2100" b="1" dirty="0" smtClean="0"/>
                         <a:t>Centrality Range</a:t>
                       </a:r>
-                      <a:endParaRPr lang="zh-CN" altLang="en-US" sz="1600" b="1" dirty="0"/>
+                      <a:endParaRPr lang="zh-CN" altLang="en-US" sz="2100" b="1" dirty="0"/>
                     </a:p>
                   </a:txBody>
                   <a:tcPr>
@@ -3278,23 +3278,23 @@
                         <a:defRPr/>
                       </a:pPr>
                       <a:r>
-                        <a:rPr lang="en-US" altLang="zh-CN" b="1" dirty="0" smtClean="0"/>
+                        <a:rPr lang="en-US" altLang="zh-CN" sz="2100" b="1" dirty="0" smtClean="0"/>
                         <a:t>&lt;1</a:t>
                       </a:r>
                       <a:r>
-                        <a:rPr lang="en-US" altLang="zh-CN" b="1" dirty="0" smtClean="0"/>
+                        <a:rPr lang="en-US" altLang="zh-CN" sz="2100" b="1" dirty="0" smtClean="0"/>
                         <a:t>/</a:t>
                       </a:r>
                       <a:r>
-                        <a:rPr lang="en-US" altLang="zh-CN" b="1" dirty="0" err="1" smtClean="0"/>
+                        <a:rPr lang="en-US" altLang="zh-CN" sz="2100" b="1" dirty="0" err="1" smtClean="0"/>
                         <a:t>acc</a:t>
                       </a:r>
                       <a:r>
-                        <a:rPr lang="en-US" altLang="zh-CN" b="1" dirty="0" smtClean="0"/>
+                        <a:rPr lang="en-US" altLang="zh-CN" sz="2100" b="1" dirty="0" smtClean="0"/>
                         <a:t> </a:t>
                       </a:r>
                       <a:r>
-                        <a:rPr kumimoji="1" lang="en-US" altLang="zh-CN" b="1" dirty="0" smtClean="0">
+                        <a:rPr kumimoji="1" lang="en-US" altLang="zh-CN" sz="2100" b="1" dirty="0" smtClean="0">
                           <a:solidFill>
                             <a:srgbClr val="000000"/>
                           </a:solidFill>
@@ -3302,7 +3302,7 @@
                         <a:t>× </a:t>
                       </a:r>
                       <a:r>
-                        <a:rPr kumimoji="1" lang="en-US" altLang="zh-CN" b="1" dirty="0" err="1" smtClean="0">
+                        <a:rPr kumimoji="1" lang="en-US" altLang="zh-CN" sz="2100" b="1" dirty="0" err="1" smtClean="0">
                           <a:solidFill>
                             <a:srgbClr val="000000"/>
                           </a:solidFill>
@@ -3310,14 +3310,14 @@
                         <a:t>eff</a:t>
                       </a:r>
                       <a:r>
-                        <a:rPr kumimoji="1" lang="en-US" altLang="zh-CN" b="1" dirty="0" smtClean="0">
+                        <a:rPr kumimoji="1" lang="en-US" altLang="zh-CN" sz="2100" b="1" dirty="0" smtClean="0">
                           <a:solidFill>
                             <a:srgbClr val="000000"/>
                           </a:solidFill>
                         </a:rPr>
                         <a:t>&gt;</a:t>
                       </a:r>
-                      <a:endParaRPr lang="zh-CN" altLang="en-US" b="1" dirty="0"/>
+                      <a:endParaRPr lang="zh-CN" altLang="en-US" sz="2100" b="1" dirty="0"/>
                     </a:p>
                   </a:txBody>
                   <a:tcPr>
@@ -3382,23 +3382,23 @@
                         <a:defRPr/>
                       </a:pPr>
                       <a:r>
-                        <a:rPr lang="en-US" altLang="zh-CN" b="1" dirty="0" smtClean="0"/>
+                        <a:rPr lang="en-US" altLang="zh-CN" sz="2100" b="1" dirty="0" smtClean="0"/>
                         <a:t>&lt;1</a:t>
                       </a:r>
                       <a:r>
-                        <a:rPr lang="en-US" altLang="zh-CN" b="1" dirty="0" smtClean="0"/>
+                        <a:rPr lang="en-US" altLang="zh-CN" sz="2100" b="1" dirty="0" smtClean="0"/>
                         <a:t>/</a:t>
                       </a:r>
                       <a:r>
-                        <a:rPr lang="en-US" altLang="zh-CN" b="1" dirty="0" err="1" smtClean="0"/>
+                        <a:rPr lang="en-US" altLang="zh-CN" sz="2100" b="1" dirty="0" err="1" smtClean="0"/>
                         <a:t>acc</a:t>
                       </a:r>
                       <a:r>
-                        <a:rPr lang="en-US" altLang="zh-CN" b="1" dirty="0" smtClean="0"/>
+                        <a:rPr lang="en-US" altLang="zh-CN" sz="2100" b="1" dirty="0" smtClean="0"/>
                         <a:t> </a:t>
                       </a:r>
                       <a:r>
-                        <a:rPr kumimoji="1" lang="en-US" altLang="zh-CN" b="1" dirty="0" smtClean="0">
+                        <a:rPr kumimoji="1" lang="en-US" altLang="zh-CN" sz="2100" b="1" dirty="0" smtClean="0">
                           <a:solidFill>
                             <a:srgbClr val="000000"/>
                           </a:solidFill>
@@ -3406,7 +3406,7 @@
                         <a:t>× </a:t>
                       </a:r>
                       <a:r>
-                        <a:rPr kumimoji="1" lang="en-US" altLang="zh-CN" b="1" dirty="0" err="1" smtClean="0">
+                        <a:rPr kumimoji="1" lang="en-US" altLang="zh-CN" sz="2100" b="1" dirty="0" err="1" smtClean="0">
                           <a:solidFill>
                             <a:srgbClr val="000000"/>
                           </a:solidFill>
@@ -3414,7 +3414,7 @@
                         <a:t>eff</a:t>
                       </a:r>
                       <a:r>
-                        <a:rPr kumimoji="1" lang="en-US" altLang="zh-CN" b="1" dirty="0" smtClean="0">
+                        <a:rPr kumimoji="1" lang="en-US" altLang="zh-CN" sz="2100" b="1" dirty="0" smtClean="0">
                           <a:solidFill>
                             <a:srgbClr val="000000"/>
                           </a:solidFill>
@@ -3422,10 +3422,10 @@
                         <a:t>&gt;</a:t>
                       </a:r>
                       <a:r>
-                        <a:rPr lang="en-US" altLang="zh-CN" b="1" dirty="0" smtClean="0"/>
+                        <a:rPr lang="en-US" altLang="zh-CN" sz="2100" b="1" dirty="0" smtClean="0"/>
                         <a:t> Error Up (+)</a:t>
                       </a:r>
-                      <a:endParaRPr lang="zh-CN" altLang="en-US" b="1" dirty="0" smtClean="0"/>
+                      <a:endParaRPr lang="zh-CN" altLang="en-US" sz="2100" b="1" dirty="0" smtClean="0"/>
                     </a:p>
                   </a:txBody>
                   <a:tcPr>
@@ -3490,19 +3490,19 @@
                         <a:defRPr/>
                       </a:pPr>
                       <a:r>
-                        <a:rPr lang="en-US" altLang="zh-CN" b="1" dirty="0" smtClean="0"/>
+                        <a:rPr lang="en-US" altLang="zh-CN" sz="2100" b="1" dirty="0" smtClean="0"/>
                         <a:t>&lt;1/</a:t>
                       </a:r>
                       <a:r>
-                        <a:rPr lang="en-US" altLang="zh-CN" b="1" dirty="0" err="1" smtClean="0"/>
+                        <a:rPr lang="en-US" altLang="zh-CN" sz="2100" b="1" dirty="0" err="1" smtClean="0"/>
                         <a:t>acc</a:t>
                       </a:r>
                       <a:r>
-                        <a:rPr lang="en-US" altLang="zh-CN" b="1" dirty="0" smtClean="0"/>
+                        <a:rPr lang="en-US" altLang="zh-CN" sz="2100" b="1" dirty="0" smtClean="0"/>
                         <a:t> </a:t>
                       </a:r>
                       <a:r>
-                        <a:rPr kumimoji="1" lang="en-US" altLang="zh-CN" b="1" dirty="0" smtClean="0">
+                        <a:rPr kumimoji="1" lang="en-US" altLang="zh-CN" sz="2100" b="1" dirty="0" smtClean="0">
                           <a:solidFill>
                             <a:srgbClr val="000000"/>
                           </a:solidFill>
@@ -3510,7 +3510,7 @@
                         <a:t>× </a:t>
                       </a:r>
                       <a:r>
-                        <a:rPr kumimoji="1" lang="en-US" altLang="zh-CN" b="1" dirty="0" err="1" smtClean="0">
+                        <a:rPr kumimoji="1" lang="en-US" altLang="zh-CN" sz="2100" b="1" dirty="0" err="1" smtClean="0">
                           <a:solidFill>
                             <a:srgbClr val="000000"/>
                           </a:solidFill>
@@ -3518,7 +3518,7 @@
                         <a:t>eff</a:t>
                       </a:r>
                       <a:r>
-                        <a:rPr kumimoji="1" lang="en-US" altLang="zh-CN" b="1" dirty="0" smtClean="0">
+                        <a:rPr kumimoji="1" lang="en-US" altLang="zh-CN" sz="2100" b="1" dirty="0" smtClean="0">
                           <a:solidFill>
                             <a:srgbClr val="000000"/>
                           </a:solidFill>
@@ -3526,10 +3526,10 @@
                         <a:t>&gt;</a:t>
                       </a:r>
                       <a:r>
-                        <a:rPr lang="en-US" altLang="zh-CN" b="1" dirty="0" smtClean="0"/>
+                        <a:rPr lang="en-US" altLang="zh-CN" sz="2100" b="1" dirty="0" smtClean="0"/>
                         <a:t> Error Down (-)</a:t>
                       </a:r>
-                      <a:endParaRPr lang="zh-CN" altLang="en-US" b="1" dirty="0" smtClean="0"/>
+                      <a:endParaRPr lang="zh-CN" altLang="en-US" sz="2100" b="1" dirty="0" smtClean="0"/>
                     </a:p>
                   </a:txBody>
                   <a:tcPr>
@@ -3580,10 +3580,10 @@
                     <a:p>
                       <a:pPr algn="ctr"/>
                       <a:r>
-                        <a:rPr lang="en-US" altLang="zh-CN" dirty="0" smtClean="0"/>
+                        <a:rPr lang="en-US" altLang="zh-CN" sz="2100" dirty="0" smtClean="0"/>
                         <a:t>7 – 10</a:t>
                       </a:r>
-                      <a:endParaRPr lang="zh-CN" altLang="en-US" dirty="0"/>
+                      <a:endParaRPr lang="zh-CN" altLang="en-US" sz="2100" dirty="0"/>
                     </a:p>
                   </a:txBody>
                   <a:tcPr>
@@ -3632,10 +3632,10 @@
                     <a:p>
                       <a:pPr algn="ctr"/>
                       <a:r>
-                        <a:rPr lang="en-US" altLang="zh-CN" dirty="0" smtClean="0"/>
+                        <a:rPr lang="en-US" altLang="zh-CN" sz="2100" dirty="0" smtClean="0"/>
                         <a:t>0 – 90</a:t>
                       </a:r>
-                      <a:endParaRPr lang="zh-CN" altLang="en-US" dirty="0"/>
+                      <a:endParaRPr lang="zh-CN" altLang="en-US" sz="2100" dirty="0"/>
                     </a:p>
                   </a:txBody>
                   <a:tcPr>
@@ -3684,7 +3684,7 @@
                     <a:p>
                       <a:pPr algn="ctr"/>
                       <a:r>
-                        <a:rPr lang="en-US" altLang="zh-CN" sz="1800" kern="1200" dirty="0" smtClean="0">
+                        <a:rPr lang="en-US" altLang="zh-CN" sz="2100" kern="1200" dirty="0" smtClean="0">
                           <a:solidFill>
                             <a:schemeClr val="tx1"/>
                           </a:solidFill>
@@ -3694,7 +3694,7 @@
                         </a:rPr>
                         <a:t>101.502</a:t>
                       </a:r>
-                      <a:endParaRPr lang="zh-CN" altLang="en-US" dirty="0"/>
+                      <a:endParaRPr lang="zh-CN" altLang="en-US" sz="2100" dirty="0"/>
                     </a:p>
                   </a:txBody>
                   <a:tcPr>
@@ -3743,7 +3743,7 @@
                     <a:p>
                       <a:pPr algn="ctr"/>
                       <a:r>
-                        <a:rPr lang="en-US" altLang="zh-CN" sz="1800" kern="1200" dirty="0" smtClean="0">
+                        <a:rPr lang="en-US" altLang="zh-CN" sz="2100" kern="1200" dirty="0" smtClean="0">
                           <a:solidFill>
                             <a:schemeClr val="tx1"/>
                           </a:solidFill>
@@ -3753,7 +3753,7 @@
                         </a:rPr>
                         <a:t>12.4847</a:t>
                       </a:r>
-                      <a:endParaRPr lang="zh-CN" altLang="en-US" dirty="0"/>
+                      <a:endParaRPr lang="zh-CN" altLang="en-US" sz="2100" dirty="0"/>
                     </a:p>
                   </a:txBody>
                   <a:tcPr>
@@ -3802,7 +3802,7 @@
                     <a:p>
                       <a:pPr algn="ctr"/>
                       <a:r>
-                        <a:rPr lang="en-US" altLang="zh-CN" sz="1800" kern="1200" dirty="0" smtClean="0">
+                        <a:rPr lang="en-US" altLang="zh-CN" sz="2100" kern="1200" dirty="0" smtClean="0">
                           <a:solidFill>
                             <a:schemeClr val="tx1"/>
                           </a:solidFill>
@@ -3812,7 +3812,7 @@
                         </a:rPr>
                         <a:t>12.3832</a:t>
                       </a:r>
-                      <a:endParaRPr lang="zh-CN" altLang="en-US" dirty="0"/>
+                      <a:endParaRPr lang="zh-CN" altLang="en-US" sz="2100" dirty="0"/>
                     </a:p>
                   </a:txBody>
                   <a:tcPr>
@@ -3879,10 +3879,10 @@
                         <a:defRPr/>
                       </a:pPr>
                       <a:r>
-                        <a:rPr lang="en-US" altLang="zh-CN" dirty="0" smtClean="0"/>
+                        <a:rPr lang="en-US" altLang="zh-CN" sz="2100" dirty="0" smtClean="0"/>
                         <a:t>10 – 15</a:t>
                       </a:r>
-                      <a:endParaRPr lang="zh-CN" altLang="en-US" dirty="0" smtClean="0"/>
+                      <a:endParaRPr lang="zh-CN" altLang="en-US" sz="2100" dirty="0" smtClean="0"/>
                     </a:p>
                   </a:txBody>
                   <a:tcPr>
@@ -3947,10 +3947,10 @@
                         <a:defRPr/>
                       </a:pPr>
                       <a:r>
-                        <a:rPr lang="en-US" altLang="zh-CN" dirty="0" smtClean="0"/>
+                        <a:rPr lang="en-US" altLang="zh-CN" sz="2100" dirty="0" smtClean="0"/>
                         <a:t>0 – 90</a:t>
                       </a:r>
-                      <a:endParaRPr lang="zh-CN" altLang="en-US" dirty="0" smtClean="0"/>
+                      <a:endParaRPr lang="zh-CN" altLang="en-US" sz="2100" dirty="0" smtClean="0"/>
                     </a:p>
                   </a:txBody>
                   <a:tcPr>
@@ -3999,7 +3999,7 @@
                     <a:p>
                       <a:pPr algn="ctr"/>
                       <a:r>
-                        <a:rPr lang="en-US" altLang="zh-CN" sz="1800" kern="1200" dirty="0" smtClean="0">
+                        <a:rPr lang="en-US" altLang="zh-CN" sz="2100" kern="1200" dirty="0" smtClean="0">
                           <a:solidFill>
                             <a:schemeClr val="tx1"/>
                           </a:solidFill>
@@ -4009,7 +4009,7 @@
                         </a:rPr>
                         <a:t>36.2655</a:t>
                       </a:r>
-                      <a:endParaRPr lang="zh-CN" altLang="en-US" dirty="0"/>
+                      <a:endParaRPr lang="zh-CN" altLang="en-US" sz="2100" dirty="0"/>
                     </a:p>
                   </a:txBody>
                   <a:tcPr>
@@ -4058,7 +4058,7 @@
                     <a:p>
                       <a:pPr algn="ctr"/>
                       <a:r>
-                        <a:rPr lang="en-US" altLang="zh-CN" sz="1800" kern="1200" dirty="0" smtClean="0">
+                        <a:rPr lang="en-US" altLang="zh-CN" sz="2100" kern="1200" dirty="0" smtClean="0">
                           <a:solidFill>
                             <a:schemeClr val="tx1"/>
                           </a:solidFill>
@@ -4068,7 +4068,7 @@
                         </a:rPr>
                         <a:t>1.58843</a:t>
                       </a:r>
-                      <a:endParaRPr lang="zh-CN" altLang="en-US" dirty="0"/>
+                      <a:endParaRPr lang="zh-CN" altLang="en-US" sz="2100" dirty="0"/>
                     </a:p>
                   </a:txBody>
                   <a:tcPr>
@@ -4117,7 +4117,7 @@
                     <a:p>
                       <a:pPr algn="ctr"/>
                       <a:r>
-                        <a:rPr lang="en-US" altLang="zh-CN" sz="1800" kern="1200" dirty="0" smtClean="0">
+                        <a:rPr lang="en-US" altLang="zh-CN" sz="2100" kern="1200" dirty="0" smtClean="0">
                           <a:solidFill>
                             <a:schemeClr val="tx1"/>
                           </a:solidFill>
@@ -4127,7 +4127,7 @@
                         </a:rPr>
                         <a:t>1.46875</a:t>
                       </a:r>
-                      <a:endParaRPr lang="zh-CN" altLang="en-US" dirty="0"/>
+                      <a:endParaRPr lang="zh-CN" altLang="en-US" sz="2100" dirty="0"/>
                     </a:p>
                   </a:txBody>
                   <a:tcPr>
@@ -4194,10 +4194,10 @@
                         <a:defRPr/>
                       </a:pPr>
                       <a:r>
-                        <a:rPr lang="en-US" altLang="zh-CN" dirty="0" smtClean="0"/>
+                        <a:rPr lang="en-US" altLang="zh-CN" sz="2100" dirty="0" smtClean="0"/>
                         <a:t>15 – 20</a:t>
                       </a:r>
-                      <a:endParaRPr lang="zh-CN" altLang="en-US" dirty="0" smtClean="0"/>
+                      <a:endParaRPr lang="zh-CN" altLang="en-US" sz="2100" dirty="0" smtClean="0"/>
                     </a:p>
                   </a:txBody>
                   <a:tcPr>
@@ -4262,10 +4262,10 @@
                         <a:defRPr/>
                       </a:pPr>
                       <a:r>
-                        <a:rPr lang="en-US" altLang="zh-CN" dirty="0" smtClean="0"/>
+                        <a:rPr lang="en-US" altLang="zh-CN" sz="2100" dirty="0" smtClean="0"/>
                         <a:t>0 – 90</a:t>
                       </a:r>
-                      <a:endParaRPr lang="zh-CN" altLang="en-US" dirty="0" smtClean="0"/>
+                      <a:endParaRPr lang="zh-CN" altLang="en-US" sz="2100" dirty="0" smtClean="0"/>
                     </a:p>
                   </a:txBody>
                   <a:tcPr>
@@ -4314,7 +4314,7 @@
                     <a:p>
                       <a:pPr algn="ctr"/>
                       <a:r>
-                        <a:rPr lang="en-US" altLang="zh-CN" sz="1800" kern="1200" dirty="0" smtClean="0">
+                        <a:rPr lang="en-US" altLang="zh-CN" sz="2100" kern="1200" dirty="0" smtClean="0">
                           <a:solidFill>
                             <a:schemeClr val="tx1"/>
                           </a:solidFill>
@@ -4324,7 +4324,7 @@
                         </a:rPr>
                         <a:t>10.9027</a:t>
                       </a:r>
-                      <a:endParaRPr lang="zh-CN" altLang="en-US" dirty="0"/>
+                      <a:endParaRPr lang="zh-CN" altLang="en-US" sz="2100" dirty="0"/>
                     </a:p>
                   </a:txBody>
                   <a:tcPr>
@@ -4373,7 +4373,7 @@
                     <a:p>
                       <a:pPr algn="ctr"/>
                       <a:r>
-                        <a:rPr lang="en-US" altLang="zh-CN" sz="1800" kern="1200" dirty="0" smtClean="0">
+                        <a:rPr lang="en-US" altLang="zh-CN" sz="2100" kern="1200" dirty="0" smtClean="0">
                           <a:solidFill>
                             <a:schemeClr val="tx1"/>
                           </a:solidFill>
@@ -4383,7 +4383,7 @@
                         </a:rPr>
                         <a:t>0.159179</a:t>
                       </a:r>
-                      <a:endParaRPr lang="zh-CN" altLang="en-US" dirty="0"/>
+                      <a:endParaRPr lang="zh-CN" altLang="en-US" sz="2100" dirty="0"/>
                     </a:p>
                   </a:txBody>
                   <a:tcPr>
@@ -4432,7 +4432,7 @@
                     <a:p>
                       <a:pPr algn="ctr"/>
                       <a:r>
-                        <a:rPr lang="en-US" altLang="zh-CN" sz="1800" kern="1200" dirty="0" smtClean="0">
+                        <a:rPr lang="en-US" altLang="zh-CN" sz="2100" kern="1200" dirty="0" smtClean="0">
                           <a:solidFill>
                             <a:schemeClr val="tx1"/>
                           </a:solidFill>
@@ -4442,7 +4442,7 @@
                         </a:rPr>
                         <a:t>0.188617</a:t>
                       </a:r>
-                      <a:endParaRPr lang="zh-CN" altLang="en-US" dirty="0"/>
+                      <a:endParaRPr lang="zh-CN" altLang="en-US" sz="2100" dirty="0"/>
                     </a:p>
                   </a:txBody>
                   <a:tcPr>
@@ -4493,14 +4493,14 @@
                     <a:p>
                       <a:pPr algn="ctr"/>
                       <a:r>
-                        <a:rPr lang="en-US" altLang="zh-CN" dirty="0" smtClean="0"/>
+                        <a:rPr lang="en-US" altLang="zh-CN" sz="2100" dirty="0" smtClean="0"/>
                         <a:t>20 – 50</a:t>
                       </a:r>
                       <a:r>
-                        <a:rPr lang="en-US" altLang="zh-CN" baseline="0" dirty="0" smtClean="0"/>
+                        <a:rPr lang="en-US" altLang="zh-CN" sz="2100" baseline="0" dirty="0" smtClean="0"/>
                         <a:t> </a:t>
                       </a:r>
-                      <a:endParaRPr lang="zh-CN" altLang="en-US" dirty="0"/>
+                      <a:endParaRPr lang="zh-CN" altLang="en-US" sz="2100" dirty="0"/>
                     </a:p>
                   </a:txBody>
                   <a:tcPr>
@@ -4565,10 +4565,10 @@
                         <a:defRPr/>
                       </a:pPr>
                       <a:r>
-                        <a:rPr lang="en-US" altLang="zh-CN" dirty="0" smtClean="0"/>
+                        <a:rPr lang="en-US" altLang="zh-CN" sz="2100" dirty="0" smtClean="0"/>
                         <a:t>0 – 90</a:t>
                       </a:r>
-                      <a:endParaRPr lang="zh-CN" altLang="en-US" dirty="0" smtClean="0"/>
+                      <a:endParaRPr lang="zh-CN" altLang="en-US" sz="2100" dirty="0" smtClean="0"/>
                     </a:p>
                   </a:txBody>
                   <a:tcPr>
@@ -4617,7 +4617,7 @@
                     <a:p>
                       <a:pPr algn="ctr"/>
                       <a:r>
-                        <a:rPr lang="en-US" altLang="zh-CN" sz="1800" kern="1200" dirty="0" smtClean="0">
+                        <a:rPr lang="en-US" altLang="zh-CN" sz="2100" kern="1200" dirty="0" smtClean="0">
                           <a:solidFill>
                             <a:schemeClr val="tx1"/>
                           </a:solidFill>
@@ -4627,7 +4627,7 @@
                         </a:rPr>
                         <a:t>5.99082</a:t>
                       </a:r>
-                      <a:endParaRPr lang="zh-CN" altLang="en-US" dirty="0"/>
+                      <a:endParaRPr lang="zh-CN" altLang="en-US" sz="2100" dirty="0"/>
                     </a:p>
                   </a:txBody>
                   <a:tcPr>
@@ -4676,7 +4676,7 @@
                     <a:p>
                       <a:pPr algn="ctr"/>
                       <a:r>
-                        <a:rPr lang="en-US" altLang="zh-CN" sz="1800" kern="1200" dirty="0" smtClean="0">
+                        <a:rPr lang="en-US" altLang="zh-CN" sz="2100" kern="1200" dirty="0" smtClean="0">
                           <a:solidFill>
                             <a:schemeClr val="tx1"/>
                           </a:solidFill>
@@ -4686,7 +4686,7 @@
                         </a:rPr>
                         <a:t>0.100646</a:t>
                       </a:r>
-                      <a:endParaRPr lang="zh-CN" altLang="en-US" dirty="0"/>
+                      <a:endParaRPr lang="zh-CN" altLang="en-US" sz="2100" dirty="0"/>
                     </a:p>
                   </a:txBody>
                   <a:tcPr>
@@ -4735,7 +4735,7 @@
                     <a:p>
                       <a:pPr algn="ctr"/>
                       <a:r>
-                        <a:rPr lang="en-US" altLang="zh-CN" sz="1800" kern="1200" dirty="0" smtClean="0">
+                        <a:rPr lang="en-US" altLang="zh-CN" sz="2100" kern="1200" dirty="0" smtClean="0">
                           <a:solidFill>
                             <a:schemeClr val="tx1"/>
                           </a:solidFill>
@@ -4745,7 +4745,7 @@
                         </a:rPr>
                         <a:t>0.0982494</a:t>
                       </a:r>
-                      <a:endParaRPr lang="zh-CN" altLang="en-US" dirty="0"/>
+                      <a:endParaRPr lang="zh-CN" altLang="en-US" sz="2100" dirty="0"/>
                     </a:p>
                   </a:txBody>
                   <a:tcPr>
@@ -4796,10 +4796,10 @@
                     <a:p>
                       <a:pPr algn="ctr"/>
                       <a:r>
-                        <a:rPr lang="en-US" altLang="zh-CN" dirty="0" smtClean="0"/>
+                        <a:rPr lang="en-US" altLang="zh-CN" sz="2100" dirty="0" smtClean="0"/>
                         <a:t>10 – 50</a:t>
                       </a:r>
-                      <a:endParaRPr lang="zh-CN" altLang="en-US" dirty="0"/>
+                      <a:endParaRPr lang="zh-CN" altLang="en-US" sz="2100" dirty="0"/>
                     </a:p>
                   </a:txBody>
                   <a:tcPr>
@@ -4864,10 +4864,10 @@
                         <a:defRPr/>
                       </a:pPr>
                       <a:r>
-                        <a:rPr lang="en-US" altLang="zh-CN" dirty="0" smtClean="0"/>
+                        <a:rPr lang="en-US" altLang="zh-CN" sz="2100" dirty="0" smtClean="0"/>
                         <a:t>0 – 30</a:t>
                       </a:r>
-                      <a:endParaRPr lang="zh-CN" altLang="en-US" dirty="0" smtClean="0"/>
+                      <a:endParaRPr lang="zh-CN" altLang="en-US" sz="2100" dirty="0" smtClean="0"/>
                     </a:p>
                   </a:txBody>
                   <a:tcPr>
@@ -4916,7 +4916,7 @@
                     <a:p>
                       <a:pPr algn="ctr"/>
                       <a:r>
-                        <a:rPr lang="en-US" altLang="zh-CN" sz="1800" kern="1200" dirty="0" smtClean="0">
+                        <a:rPr lang="en-US" altLang="zh-CN" sz="2100" kern="1200" dirty="0" smtClean="0">
                           <a:solidFill>
                             <a:schemeClr val="tx1"/>
                           </a:solidFill>
@@ -4926,7 +4926,7 @@
                         </a:rPr>
                         <a:t>21.1439</a:t>
                       </a:r>
-                      <a:endParaRPr lang="zh-CN" altLang="en-US" dirty="0"/>
+                      <a:endParaRPr lang="zh-CN" altLang="en-US" sz="2100" dirty="0"/>
                     </a:p>
                   </a:txBody>
                   <a:tcPr>
@@ -4975,7 +4975,7 @@
                     <a:p>
                       <a:pPr algn="ctr"/>
                       <a:r>
-                        <a:rPr lang="en-US" altLang="zh-CN" sz="1800" kern="1200" dirty="0" smtClean="0">
+                        <a:rPr lang="en-US" altLang="zh-CN" sz="2100" kern="1200" dirty="0" smtClean="0">
                           <a:solidFill>
                             <a:schemeClr val="tx1"/>
                           </a:solidFill>
@@ -4985,7 +4985,7 @@
                         </a:rPr>
                         <a:t>0.940904</a:t>
                       </a:r>
-                      <a:endParaRPr lang="zh-CN" altLang="en-US" dirty="0"/>
+                      <a:endParaRPr lang="zh-CN" altLang="en-US" sz="2100" dirty="0"/>
                     </a:p>
                   </a:txBody>
                   <a:tcPr>
@@ -5034,7 +5034,7 @@
                     <a:p>
                       <a:pPr algn="ctr"/>
                       <a:r>
-                        <a:rPr lang="en-US" altLang="zh-CN" sz="1800" kern="1200" dirty="0" smtClean="0">
+                        <a:rPr lang="en-US" altLang="zh-CN" sz="2100" kern="1200" dirty="0" smtClean="0">
                           <a:solidFill>
                             <a:schemeClr val="tx1"/>
                           </a:solidFill>
@@ -5044,7 +5044,7 @@
                         </a:rPr>
                         <a:t>0.968391</a:t>
                       </a:r>
-                      <a:endParaRPr lang="zh-CN" altLang="en-US" dirty="0"/>
+                      <a:endParaRPr lang="zh-CN" altLang="en-US" sz="2100" dirty="0"/>
                     </a:p>
                   </a:txBody>
                   <a:tcPr>
@@ -5095,10 +5095,10 @@
                     <a:p>
                       <a:pPr algn="ctr"/>
                       <a:r>
-                        <a:rPr lang="en-US" altLang="zh-CN" dirty="0" smtClean="0"/>
+                        <a:rPr lang="en-US" altLang="zh-CN" sz="2100" dirty="0" smtClean="0"/>
                         <a:t>10 – 50</a:t>
                       </a:r>
-                      <a:endParaRPr lang="zh-CN" altLang="en-US" dirty="0"/>
+                      <a:endParaRPr lang="zh-CN" altLang="en-US" sz="2100" dirty="0"/>
                     </a:p>
                   </a:txBody>
                   <a:tcPr>
@@ -5163,10 +5163,10 @@
                         <a:defRPr/>
                       </a:pPr>
                       <a:r>
-                        <a:rPr lang="en-US" altLang="zh-CN" dirty="0" smtClean="0"/>
+                        <a:rPr lang="en-US" altLang="zh-CN" sz="2100" dirty="0" smtClean="0"/>
                         <a:t>30 – 90</a:t>
                       </a:r>
-                      <a:endParaRPr lang="zh-CN" altLang="en-US" dirty="0" smtClean="0"/>
+                      <a:endParaRPr lang="zh-CN" altLang="en-US" sz="2100" dirty="0" smtClean="0"/>
                     </a:p>
                   </a:txBody>
                   <a:tcPr>
@@ -5215,7 +5215,7 @@
                     <a:p>
                       <a:pPr algn="ctr"/>
                       <a:r>
-                        <a:rPr lang="en-US" altLang="zh-CN" sz="1800" kern="1200" dirty="0" smtClean="0">
+                        <a:rPr lang="en-US" altLang="zh-CN" sz="2100" kern="1200" dirty="0" smtClean="0">
                           <a:solidFill>
                             <a:schemeClr val="tx1"/>
                           </a:solidFill>
@@ -5225,7 +5225,7 @@
                         </a:rPr>
                         <a:t>11.9747</a:t>
                       </a:r>
-                      <a:endParaRPr lang="zh-CN" altLang="en-US" dirty="0"/>
+                      <a:endParaRPr lang="zh-CN" altLang="en-US" sz="2100" dirty="0"/>
                     </a:p>
                   </a:txBody>
                   <a:tcPr>
@@ -5274,7 +5274,7 @@
                     <a:p>
                       <a:pPr algn="ctr"/>
                       <a:r>
-                        <a:rPr lang="en-US" altLang="zh-CN" sz="1800" kern="1200" dirty="0" smtClean="0">
+                        <a:rPr lang="en-US" altLang="zh-CN" sz="2100" kern="1200" dirty="0" smtClean="0">
                           <a:solidFill>
                             <a:schemeClr val="tx1"/>
                           </a:solidFill>
@@ -5284,7 +5284,7 @@
                         </a:rPr>
                         <a:t>0.671781</a:t>
                       </a:r>
-                      <a:endParaRPr lang="zh-CN" altLang="en-US" dirty="0"/>
+                      <a:endParaRPr lang="zh-CN" altLang="en-US" sz="2100" dirty="0"/>
                     </a:p>
                   </a:txBody>
                   <a:tcPr>
@@ -5333,7 +5333,7 @@
                     <a:p>
                       <a:pPr algn="ctr"/>
                       <a:r>
-                        <a:rPr lang="en-US" altLang="zh-CN" sz="1800" kern="1200" dirty="0" smtClean="0">
+                        <a:rPr lang="en-US" altLang="zh-CN" sz="2100" kern="1200" dirty="0" smtClean="0">
                           <a:solidFill>
                             <a:schemeClr val="tx1"/>
                           </a:solidFill>
@@ -5343,7 +5343,7 @@
                         </a:rPr>
                         <a:t>0.653819</a:t>
                       </a:r>
-                      <a:endParaRPr lang="zh-CN" altLang="en-US" b="1" dirty="0">
+                      <a:endParaRPr lang="zh-CN" altLang="en-US" sz="2100" b="1" dirty="0">
                         <a:solidFill>
                           <a:srgbClr val="FF0000"/>
                         </a:solidFill>
@@ -5398,10 +5398,10 @@
                     <a:p>
                       <a:pPr algn="ctr"/>
                       <a:r>
-                        <a:rPr lang="en-US" altLang="zh-CN" dirty="0" smtClean="0"/>
+                        <a:rPr lang="en-US" altLang="zh-CN" sz="2100" dirty="0" smtClean="0"/>
                         <a:t>10 – 50</a:t>
                       </a:r>
-                      <a:endParaRPr lang="zh-CN" altLang="en-US" dirty="0"/>
+                      <a:endParaRPr lang="zh-CN" altLang="en-US" sz="2100" dirty="0"/>
                     </a:p>
                   </a:txBody>
                   <a:tcPr>
@@ -5466,10 +5466,10 @@
                         <a:defRPr/>
                       </a:pPr>
                       <a:r>
-                        <a:rPr lang="en-US" altLang="zh-CN" dirty="0" smtClean="0"/>
+                        <a:rPr lang="en-US" altLang="zh-CN" sz="2100" dirty="0" smtClean="0"/>
                         <a:t>0 – 90</a:t>
                       </a:r>
-                      <a:endParaRPr lang="zh-CN" altLang="en-US" dirty="0" smtClean="0"/>
+                      <a:endParaRPr lang="zh-CN" altLang="en-US" sz="2100" dirty="0" smtClean="0"/>
                     </a:p>
                   </a:txBody>
                   <a:tcPr>
@@ -5518,7 +5518,7 @@
                     <a:p>
                       <a:pPr algn="ctr"/>
                       <a:r>
-                        <a:rPr lang="en-US" altLang="zh-CN" sz="1800" kern="1200" dirty="0" smtClean="0">
+                        <a:rPr lang="en-US" altLang="zh-CN" sz="2100" kern="1200" dirty="0" smtClean="0">
                           <a:solidFill>
                             <a:schemeClr val="tx1"/>
                           </a:solidFill>
@@ -5528,7 +5528,7 @@
                         </a:rPr>
                         <a:t>18.7526</a:t>
                       </a:r>
-                      <a:endParaRPr lang="zh-CN" altLang="en-US" dirty="0"/>
+                      <a:endParaRPr lang="zh-CN" altLang="en-US" sz="2100" dirty="0"/>
                     </a:p>
                   </a:txBody>
                   <a:tcPr>
@@ -5577,7 +5577,7 @@
                     <a:p>
                       <a:pPr algn="ctr"/>
                       <a:r>
-                        <a:rPr lang="en-US" altLang="zh-CN" sz="1800" kern="1200" smtClean="0">
+                        <a:rPr lang="en-US" altLang="zh-CN" sz="2100" kern="1200" dirty="0" smtClean="0">
                           <a:solidFill>
                             <a:schemeClr val="tx1"/>
                           </a:solidFill>
@@ -5587,7 +5587,7 @@
                         </a:rPr>
                         <a:t>0.803468</a:t>
                       </a:r>
-                      <a:endParaRPr lang="zh-CN" altLang="en-US" dirty="0"/>
+                      <a:endParaRPr lang="zh-CN" altLang="en-US" sz="2100" dirty="0"/>
                     </a:p>
                   </a:txBody>
                   <a:tcPr>
@@ -5636,7 +5636,7 @@
                     <a:p>
                       <a:pPr algn="ctr"/>
                       <a:r>
-                        <a:rPr lang="en-US" altLang="zh-CN" sz="1800" kern="1200" dirty="0" smtClean="0">
+                        <a:rPr lang="en-US" altLang="zh-CN" sz="2100" kern="1200" dirty="0" smtClean="0">
                           <a:solidFill>
                             <a:schemeClr val="tx1"/>
                           </a:solidFill>
@@ -5646,7 +5646,7 @@
                         </a:rPr>
                         <a:t>0.797125</a:t>
                       </a:r>
-                      <a:endParaRPr lang="zh-CN" altLang="en-US" dirty="0"/>
+                      <a:endParaRPr lang="zh-CN" altLang="en-US" sz="2100" dirty="0"/>
                     </a:p>
                   </a:txBody>
                   <a:tcPr>
